--- a/docs/labs/images/two_sample_ttest.pptx
+++ b/docs/labs/images/two_sample_ttest.pptx
@@ -105,6 +105,11 @@
       </a:defRPr>
     </a:lvl9pPr>
   </p:defaultTextStyle>
+  <p:extLst>
+    <p:ext uri="{EFAFB233-063F-42B5-8137-9DF3F51BA10A}">
+      <p15:sldGuideLst xmlns:p15="http://schemas.microsoft.com/office/powerpoint/2012/main"/>
+    </p:ext>
+  </p:extLst>
 </p:presentation>
 </file>
 
@@ -239,7 +244,7 @@
           <a:p>
             <a:fld id="{F75DF637-D04D-4640-80B1-6CF5165C058B}" type="datetimeFigureOut">
               <a:rPr lang="en-US" smtClean="0"/>
-              <a:t>2/23/21</a:t>
+              <a:t>2/22/22</a:t>
             </a:fld>
             <a:endParaRPr lang="en-US"/>
           </a:p>
@@ -409,7 +414,7 @@
           <a:p>
             <a:fld id="{F75DF637-D04D-4640-80B1-6CF5165C058B}" type="datetimeFigureOut">
               <a:rPr lang="en-US" smtClean="0"/>
-              <a:t>2/23/21</a:t>
+              <a:t>2/22/22</a:t>
             </a:fld>
             <a:endParaRPr lang="en-US"/>
           </a:p>
@@ -589,7 +594,7 @@
           <a:p>
             <a:fld id="{F75DF637-D04D-4640-80B1-6CF5165C058B}" type="datetimeFigureOut">
               <a:rPr lang="en-US" smtClean="0"/>
-              <a:t>2/23/21</a:t>
+              <a:t>2/22/22</a:t>
             </a:fld>
             <a:endParaRPr lang="en-US"/>
           </a:p>
@@ -759,7 +764,7 @@
           <a:p>
             <a:fld id="{F75DF637-D04D-4640-80B1-6CF5165C058B}" type="datetimeFigureOut">
               <a:rPr lang="en-US" smtClean="0"/>
-              <a:t>2/23/21</a:t>
+              <a:t>2/22/22</a:t>
             </a:fld>
             <a:endParaRPr lang="en-US"/>
           </a:p>
@@ -1003,7 +1008,7 @@
           <a:p>
             <a:fld id="{F75DF637-D04D-4640-80B1-6CF5165C058B}" type="datetimeFigureOut">
               <a:rPr lang="en-US" smtClean="0"/>
-              <a:t>2/23/21</a:t>
+              <a:t>2/22/22</a:t>
             </a:fld>
             <a:endParaRPr lang="en-US"/>
           </a:p>
@@ -1235,7 +1240,7 @@
           <a:p>
             <a:fld id="{F75DF637-D04D-4640-80B1-6CF5165C058B}" type="datetimeFigureOut">
               <a:rPr lang="en-US" smtClean="0"/>
-              <a:t>2/23/21</a:t>
+              <a:t>2/22/22</a:t>
             </a:fld>
             <a:endParaRPr lang="en-US"/>
           </a:p>
@@ -1602,7 +1607,7 @@
           <a:p>
             <a:fld id="{F75DF637-D04D-4640-80B1-6CF5165C058B}" type="datetimeFigureOut">
               <a:rPr lang="en-US" smtClean="0"/>
-              <a:t>2/23/21</a:t>
+              <a:t>2/22/22</a:t>
             </a:fld>
             <a:endParaRPr lang="en-US"/>
           </a:p>
@@ -1720,7 +1725,7 @@
           <a:p>
             <a:fld id="{F75DF637-D04D-4640-80B1-6CF5165C058B}" type="datetimeFigureOut">
               <a:rPr lang="en-US" smtClean="0"/>
-              <a:t>2/23/21</a:t>
+              <a:t>2/22/22</a:t>
             </a:fld>
             <a:endParaRPr lang="en-US"/>
           </a:p>
@@ -1815,7 +1820,7 @@
           <a:p>
             <a:fld id="{F75DF637-D04D-4640-80B1-6CF5165C058B}" type="datetimeFigureOut">
               <a:rPr lang="en-US" smtClean="0"/>
-              <a:t>2/23/21</a:t>
+              <a:t>2/22/22</a:t>
             </a:fld>
             <a:endParaRPr lang="en-US"/>
           </a:p>
@@ -2092,7 +2097,7 @@
           <a:p>
             <a:fld id="{F75DF637-D04D-4640-80B1-6CF5165C058B}" type="datetimeFigureOut">
               <a:rPr lang="en-US" smtClean="0"/>
-              <a:t>2/23/21</a:t>
+              <a:t>2/22/22</a:t>
             </a:fld>
             <a:endParaRPr lang="en-US"/>
           </a:p>
@@ -2349,7 +2354,7 @@
           <a:p>
             <a:fld id="{F75DF637-D04D-4640-80B1-6CF5165C058B}" type="datetimeFigureOut">
               <a:rPr lang="en-US" smtClean="0"/>
-              <a:t>2/23/21</a:t>
+              <a:t>2/22/22</a:t>
             </a:fld>
             <a:endParaRPr lang="en-US"/>
           </a:p>
@@ -2562,7 +2567,7 @@
           <a:p>
             <a:fld id="{F75DF637-D04D-4640-80B1-6CF5165C058B}" type="datetimeFigureOut">
               <a:rPr lang="en-US" smtClean="0"/>
-              <a:t>2/23/21</a:t>
+              <a:t>2/22/22</a:t>
             </a:fld>
             <a:endParaRPr lang="en-US"/>
           </a:p>
@@ -3765,8 +3770,8 @@
             </p:nvSpPr>
             <p:spPr>
               <a:xfrm>
-                <a:off x="275688" y="8367600"/>
-                <a:ext cx="6379112" cy="1200329"/>
+                <a:off x="267872" y="8422756"/>
+                <a:ext cx="6379112" cy="1015663"/>
               </a:xfrm>
               <a:prstGeom prst="rect">
                 <a:avLst/>
@@ -3957,36 +3962,36 @@
                       </a:rPr>
                       <m:t>−</m:t>
                     </m:r>
-                    <m:sSub>
-                      <m:sSubPr>
+                    <m:sSup>
+                      <m:sSupPr>
                         <m:ctrlPr>
-                          <a:rPr lang="en-US" sz="1200" i="1">
+                          <a:rPr lang="en-US" sz="1200" b="0" i="1" smtClean="0">
                             <a:latin typeface="Cambria Math" panose="02040503050406030204" pitchFamily="18" charset="0"/>
                           </a:rPr>
                         </m:ctrlPr>
-                      </m:sSubPr>
+                      </m:sSupPr>
                       <m:e>
                         <m:r>
-                          <a:rPr lang="en-US" sz="1200" i="1">
+                          <a:rPr lang="en-US" sz="1200" b="0" i="1" smtClean="0">
                             <a:latin typeface="Cambria Math" panose="02040503050406030204" pitchFamily="18" charset="0"/>
                           </a:rPr>
                           <m:t>𝑡</m:t>
                         </m:r>
                       </m:e>
-                      <m:sub>
-                        <m:r>
-                          <a:rPr lang="en-US" sz="1200" i="1">
-                            <a:latin typeface="Cambria Math" panose="02040503050406030204" pitchFamily="18" charset="0"/>
-                          </a:rPr>
-                          <m:t>0.975</m:t>
-                        </m:r>
-                      </m:sub>
-                    </m:sSub>
+                      <m:sup>
+                        <m:r>
+                          <a:rPr lang="en-US" sz="1200" b="0" i="1" smtClean="0">
+                            <a:latin typeface="Cambria Math" panose="02040503050406030204" pitchFamily="18" charset="0"/>
+                          </a:rPr>
+                          <m:t>∗</m:t>
+                        </m:r>
+                      </m:sup>
+                    </m:sSup>
                     <m:r>
                       <a:rPr lang="en-US" sz="1200" b="0" i="1" smtClean="0">
                         <a:latin typeface="Cambria Math" panose="02040503050406030204" pitchFamily="18" charset="0"/>
                       </a:rPr>
-                      <m:t>∗</m:t>
+                      <m:t>⋅</m:t>
                     </m:r>
                     <m:r>
                       <a:rPr lang="en-US" sz="1200" b="0" i="1" smtClean="0">
@@ -4107,48 +4112,36 @@
                       </a:rPr>
                       <m:t>+</m:t>
                     </m:r>
-                    <m:sSub>
-                      <m:sSubPr>
+                    <m:sSup>
+                      <m:sSupPr>
                         <m:ctrlPr>
-                          <a:rPr lang="en-US" sz="1200" i="1">
+                          <a:rPr lang="en-US" sz="1200" b="0" i="1" smtClean="0">
                             <a:latin typeface="Cambria Math" panose="02040503050406030204" pitchFamily="18" charset="0"/>
                           </a:rPr>
                         </m:ctrlPr>
-                      </m:sSubPr>
+                      </m:sSupPr>
                       <m:e>
                         <m:r>
-                          <a:rPr lang="en-US" sz="1200" i="1">
+                          <a:rPr lang="en-US" sz="1200" b="0" i="1" smtClean="0">
                             <a:latin typeface="Cambria Math" panose="02040503050406030204" pitchFamily="18" charset="0"/>
                           </a:rPr>
                           <m:t>𝑡</m:t>
                         </m:r>
                       </m:e>
-                      <m:sub>
-                        <m:r>
-                          <a:rPr lang="en-US" sz="1200" i="1">
-                            <a:latin typeface="Cambria Math" panose="02040503050406030204" pitchFamily="18" charset="0"/>
-                          </a:rPr>
-                          <m:t>0</m:t>
-                        </m:r>
-                        <m:r>
-                          <a:rPr lang="en-US" sz="1200" i="1">
-                            <a:latin typeface="Cambria Math" panose="02040503050406030204" pitchFamily="18" charset="0"/>
-                          </a:rPr>
-                          <m:t>.97</m:t>
-                        </m:r>
-                        <m:r>
-                          <a:rPr lang="en-US" sz="1200" i="1">
-                            <a:latin typeface="Cambria Math" panose="02040503050406030204" pitchFamily="18" charset="0"/>
-                          </a:rPr>
-                          <m:t>5</m:t>
-                        </m:r>
-                      </m:sub>
-                    </m:sSub>
+                      <m:sup>
+                        <m:r>
+                          <a:rPr lang="en-US" sz="1200" b="0" i="1" smtClean="0">
+                            <a:latin typeface="Cambria Math" panose="02040503050406030204" pitchFamily="18" charset="0"/>
+                          </a:rPr>
+                          <m:t>∗</m:t>
+                        </m:r>
+                      </m:sup>
+                    </m:sSup>
                     <m:r>
-                      <a:rPr lang="en-US" sz="1200" i="1">
+                      <a:rPr lang="en-US" sz="1200" b="0" i="1" smtClean="0">
                         <a:latin typeface="Cambria Math" panose="02040503050406030204" pitchFamily="18" charset="0"/>
                       </a:rPr>
-                      <m:t> ∗</m:t>
+                      <m:t>⋅</m:t>
                     </m:r>
                     <m:r>
                       <a:rPr lang="en-US" sz="1200" i="1">
@@ -4171,14 +4164,20 @@
                 </a:r>
                 <a14:m>
                   <m:oMath xmlns:m="http://schemas.openxmlformats.org/officeDocument/2006/math">
-                    <m:sSub>
-                      <m:sSubPr>
+                    <m:r>
+                      <a:rPr lang="en-US" sz="1200" b="0" i="1" smtClean="0">
+                        <a:latin typeface="Cambria Math" panose="02040503050406030204" pitchFamily="18" charset="0"/>
+                      </a:rPr>
+                      <m:t>±</m:t>
+                    </m:r>
+                    <m:sSup>
+                      <m:sSupPr>
                         <m:ctrlPr>
                           <a:rPr lang="en-US" sz="1200" b="0" i="1" smtClean="0">
                             <a:latin typeface="Cambria Math" panose="02040503050406030204" pitchFamily="18" charset="0"/>
                           </a:rPr>
                         </m:ctrlPr>
-                      </m:sSubPr>
+                      </m:sSupPr>
                       <m:e>
                         <m:r>
                           <a:rPr lang="en-US" sz="1200" b="0" i="1" smtClean="0">
@@ -4187,84 +4186,20 @@
                           <m:t>𝑡</m:t>
                         </m:r>
                       </m:e>
-                      <m:sub>
-                        <m:r>
-                          <a:rPr lang="en-US" sz="1200" b="0" i="1" smtClean="0">
-                            <a:latin typeface="Cambria Math" panose="02040503050406030204" pitchFamily="18" charset="0"/>
-                          </a:rPr>
-                          <m:t>0.975</m:t>
-                        </m:r>
-                      </m:sub>
-                    </m:sSub>
+                      <m:sup>
+                        <m:r>
+                          <a:rPr lang="en-US" sz="1200" b="0" i="1" smtClean="0">
+                            <a:latin typeface="Cambria Math" panose="02040503050406030204" pitchFamily="18" charset="0"/>
+                          </a:rPr>
+                          <m:t>∗</m:t>
+                        </m:r>
+                      </m:sup>
+                    </m:sSup>
                   </m:oMath>
                 </a14:m>
                 <a:r>
                   <a:rPr lang="en-US" sz="1200" dirty="0"/>
-                  <a:t> is the 0.975-quantile of a t-distribution with appropriate degrees of freedom. Also note that because the t-distribution is symmetric, </a:t>
-                </a:r>
-                <a14:m>
-                  <m:oMath xmlns:m="http://schemas.openxmlformats.org/officeDocument/2006/math">
-                    <m:sSub>
-                      <m:sSubPr>
-                        <m:ctrlPr>
-                          <a:rPr lang="en-US" sz="1200" b="0" i="1" smtClean="0">
-                            <a:latin typeface="Cambria Math" panose="02040503050406030204" pitchFamily="18" charset="0"/>
-                          </a:rPr>
-                        </m:ctrlPr>
-                      </m:sSubPr>
-                      <m:e>
-                        <m:r>
-                          <a:rPr lang="en-US" sz="1200" b="0" i="1" smtClean="0">
-                            <a:latin typeface="Cambria Math" panose="02040503050406030204" pitchFamily="18" charset="0"/>
-                          </a:rPr>
-                          <m:t>𝑡</m:t>
-                        </m:r>
-                      </m:e>
-                      <m:sub>
-                        <m:r>
-                          <a:rPr lang="en-US" sz="1200" b="0" i="1" smtClean="0">
-                            <a:latin typeface="Cambria Math" panose="02040503050406030204" pitchFamily="18" charset="0"/>
-                          </a:rPr>
-                          <m:t>0.025</m:t>
-                        </m:r>
-                      </m:sub>
-                    </m:sSub>
-                    <m:r>
-                      <a:rPr lang="en-US" sz="1200" b="0" i="1" smtClean="0">
-                        <a:latin typeface="Cambria Math" panose="02040503050406030204" pitchFamily="18" charset="0"/>
-                      </a:rPr>
-                      <m:t>=−</m:t>
-                    </m:r>
-                    <m:sSub>
-                      <m:sSubPr>
-                        <m:ctrlPr>
-                          <a:rPr lang="en-US" sz="1200" i="1">
-                            <a:latin typeface="Cambria Math" panose="02040503050406030204" pitchFamily="18" charset="0"/>
-                          </a:rPr>
-                        </m:ctrlPr>
-                      </m:sSubPr>
-                      <m:e>
-                        <m:r>
-                          <a:rPr lang="en-US" sz="1200" i="1">
-                            <a:latin typeface="Cambria Math" panose="02040503050406030204" pitchFamily="18" charset="0"/>
-                          </a:rPr>
-                          <m:t>𝑡</m:t>
-                        </m:r>
-                      </m:e>
-                      <m:sub>
-                        <m:r>
-                          <a:rPr lang="en-US" sz="1200" i="1">
-                            <a:latin typeface="Cambria Math" panose="02040503050406030204" pitchFamily="18" charset="0"/>
-                          </a:rPr>
-                          <m:t>0.975</m:t>
-                        </m:r>
-                      </m:sub>
-                    </m:sSub>
-                  </m:oMath>
-                </a14:m>
-                <a:r>
-                  <a:rPr lang="en-US" sz="1200" dirty="0"/>
-                  <a:t>.</a:t>
+                  <a:t> are the appropriate quantiles of a t-distribution.</a:t>
                 </a:r>
               </a:p>
             </p:txBody>
@@ -4287,8 +4222,8 @@
             </p:nvSpPr>
             <p:spPr>
               <a:xfrm>
-                <a:off x="275688" y="8367600"/>
-                <a:ext cx="6379112" cy="1200329"/>
+                <a:off x="267872" y="8422756"/>
+                <a:ext cx="6379112" cy="1015663"/>
               </a:xfrm>
               <a:prstGeom prst="rect">
                 <a:avLst/>
@@ -4296,7 +4231,7 @@
               <a:blipFill>
                 <a:blip r:embed="rId4"/>
                 <a:stretch>
-                  <a:fillRect t="-1053" b="-2105"/>
+                  <a:fillRect t="-1235" b="-2469"/>
                 </a:stretch>
               </a:blipFill>
             </p:spPr>
@@ -5780,7 +5715,7 @@
         <p:spPr>
           <a:xfrm>
             <a:off x="283504" y="5382998"/>
-            <a:ext cx="3284220" cy="276999"/>
+            <a:ext cx="6298808" cy="275091"/>
           </a:xfrm>
           <a:prstGeom prst="rect">
             <a:avLst/>
